--- a/Word/another.pptx
+++ b/Word/another.pptx
@@ -1795,7 +1795,7 @@
           <a:p>
             <a:fld id="{8F72BA41-EC5B-4197-BCC8-0FD2E523CD7A}" type="datetimeFigureOut">
               <a:rPr lang="en-US" smtClean="0"/>
-              <a:t>1/20/24</a:t>
+              <a:t>1/25/24</a:t>
             </a:fld>
             <a:endParaRPr lang="en-US"/>
           </a:p>
@@ -1998,7 +1998,7 @@
           <a:p>
             <a:fld id="{8F72BA41-EC5B-4197-BCC8-0FD2E523CD7A}" type="datetimeFigureOut">
               <a:rPr lang="en-US" smtClean="0"/>
-              <a:t>1/20/24</a:t>
+              <a:t>1/25/24</a:t>
             </a:fld>
             <a:endParaRPr lang="en-US"/>
           </a:p>
@@ -3719,7 +3719,7 @@
           <a:p>
             <a:fld id="{8F72BA41-EC5B-4197-BCC8-0FD2E523CD7A}" type="datetimeFigureOut">
               <a:rPr lang="en-US" smtClean="0"/>
-              <a:t>1/20/24</a:t>
+              <a:t>1/25/24</a:t>
             </a:fld>
             <a:endParaRPr lang="en-US"/>
           </a:p>
@@ -3918,7 +3918,7 @@
           <a:p>
             <a:fld id="{8F72BA41-EC5B-4197-BCC8-0FD2E523CD7A}" type="datetimeFigureOut">
               <a:rPr lang="en-US" smtClean="0"/>
-              <a:t>1/20/24</a:t>
+              <a:t>1/25/24</a:t>
             </a:fld>
             <a:endParaRPr lang="en-US"/>
           </a:p>
@@ -5708,7 +5708,7 @@
           <a:p>
             <a:fld id="{8F72BA41-EC5B-4197-BCC8-0FD2E523CD7A}" type="datetimeFigureOut">
               <a:rPr lang="en-US" smtClean="0"/>
-              <a:t>1/20/24</a:t>
+              <a:t>1/25/24</a:t>
             </a:fld>
             <a:endParaRPr lang="en-US"/>
           </a:p>
@@ -5981,7 +5981,7 @@
           <a:p>
             <a:fld id="{8F72BA41-EC5B-4197-BCC8-0FD2E523CD7A}" type="datetimeFigureOut">
               <a:rPr lang="en-US" smtClean="0"/>
-              <a:t>1/20/24</a:t>
+              <a:t>1/25/24</a:t>
             </a:fld>
             <a:endParaRPr lang="en-US"/>
           </a:p>
@@ -6401,7 +6401,7 @@
           <a:p>
             <a:fld id="{8F72BA41-EC5B-4197-BCC8-0FD2E523CD7A}" type="datetimeFigureOut">
               <a:rPr lang="en-US" smtClean="0"/>
-              <a:t>1/20/24</a:t>
+              <a:t>1/25/24</a:t>
             </a:fld>
             <a:endParaRPr lang="en-US"/>
           </a:p>
@@ -6557,7 +6557,7 @@
           <a:p>
             <a:fld id="{8F72BA41-EC5B-4197-BCC8-0FD2E523CD7A}" type="datetimeFigureOut">
               <a:rPr lang="en-US" smtClean="0"/>
-              <a:t>1/20/24</a:t>
+              <a:t>1/25/24</a:t>
             </a:fld>
             <a:endParaRPr lang="en-US"/>
           </a:p>
@@ -8125,7 +8125,7 @@
           <a:p>
             <a:fld id="{8F72BA41-EC5B-4197-BCC8-0FD2E523CD7A}" type="datetimeFigureOut">
               <a:rPr lang="en-US" smtClean="0"/>
-              <a:t>1/20/24</a:t>
+              <a:t>1/25/24</a:t>
             </a:fld>
             <a:endParaRPr lang="en-US"/>
           </a:p>
@@ -9976,7 +9976,7 @@
           <a:p>
             <a:fld id="{8F72BA41-EC5B-4197-BCC8-0FD2E523CD7A}" type="datetimeFigureOut">
               <a:rPr lang="en-US" smtClean="0"/>
-              <a:t>1/20/24</a:t>
+              <a:t>1/25/24</a:t>
             </a:fld>
             <a:endParaRPr lang="en-US"/>
           </a:p>
@@ -11789,7 +11789,7 @@
           <a:p>
             <a:fld id="{8F72BA41-EC5B-4197-BCC8-0FD2E523CD7A}" type="datetimeFigureOut">
               <a:rPr lang="en-US" smtClean="0"/>
-              <a:t>1/20/24</a:t>
+              <a:t>1/25/24</a:t>
             </a:fld>
             <a:endParaRPr lang="en-US"/>
           </a:p>
@@ -13479,7 +13479,7 @@
             <a:fld id="{8F72BA41-EC5B-4197-BCC8-0FD2E523CD7A}" type="datetimeFigureOut">
               <a:rPr lang="en-US" smtClean="0"/>
               <a:pPr/>
-              <a:t>1/20/24</a:t>
+              <a:t>1/25/24</a:t>
             </a:fld>
             <a:endParaRPr lang="en-US" dirty="0"/>
           </a:p>
@@ -21348,7 +21348,7 @@
         </p:blipFill>
         <p:spPr>
           <a:xfrm>
-            <a:off x="3373622" y="2331591"/>
+            <a:off x="3373622" y="2350641"/>
             <a:ext cx="5295900" cy="3644900"/>
           </a:xfrm>
           <a:prstGeom prst="rect">
